--- a/presentation.pptx
+++ b/presentation.pptx
@@ -6,7 +6,18 @@
   </p:sldMasterIdLst>
   <p:sldIdLst>
     <p:sldId id="256" r:id="rId2"/>
-    <p:sldId id="257" r:id="rId3"/>
+    <p:sldId id="269" r:id="rId3"/>
+    <p:sldId id="268" r:id="rId4"/>
+    <p:sldId id="266" r:id="rId5"/>
+    <p:sldId id="262" r:id="rId6"/>
+    <p:sldId id="263" r:id="rId7"/>
+    <p:sldId id="264" r:id="rId8"/>
+    <p:sldId id="265" r:id="rId9"/>
+    <p:sldId id="273" r:id="rId10"/>
+    <p:sldId id="267" r:id="rId11"/>
+    <p:sldId id="271" r:id="rId12"/>
+    <p:sldId id="272" r:id="rId13"/>
+    <p:sldId id="270" r:id="rId14"/>
   </p:sldIdLst>
   <p:sldSz cx="9144000" cy="6858000" type="screen4x3"/>
   <p:notesSz cx="6858000" cy="9144000"/>
@@ -105,6 +116,33 @@
       </a:defRPr>
     </a:lvl9pPr>
   </p:defaultTextStyle>
+  <p:extLst>
+    <p:ext uri="{521415D9-36F7-43E2-AB2F-B90AF26B5E84}">
+      <p14:sectionLst xmlns:p14="http://schemas.microsoft.com/office/powerpoint/2010/main">
+        <p14:section name="預設章節" id="{6F04BF60-271E-45B5-B802-14E56AD3A074}">
+          <p14:sldIdLst>
+            <p14:sldId id="256"/>
+          </p14:sldIdLst>
+        </p14:section>
+        <p14:section name="未命名的章節" id="{EEF122FB-2E7C-4452-AA72-3110BFE5F5A1}">
+          <p14:sldIdLst>
+            <p14:sldId id="269"/>
+            <p14:sldId id="268"/>
+            <p14:sldId id="266"/>
+            <p14:sldId id="262"/>
+            <p14:sldId id="263"/>
+            <p14:sldId id="264"/>
+            <p14:sldId id="265"/>
+            <p14:sldId id="273"/>
+            <p14:sldId id="267"/>
+            <p14:sldId id="271"/>
+            <p14:sldId id="272"/>
+            <p14:sldId id="270"/>
+          </p14:sldIdLst>
+        </p14:section>
+      </p14:sectionLst>
+    </p:ext>
+  </p:extLst>
 </p:presentation>
 </file>
 
@@ -623,7 +661,7 @@
           <a:p>
             <a:fld id="{6B7E106A-3076-4081-9BE1-0CA8939742E2}" type="datetimeFigureOut">
               <a:rPr lang="zh-TW" altLang="en-US" smtClean="0"/>
-              <a:t>2014/6/11</a:t>
+              <a:t>2014/6/12</a:t>
             </a:fld>
             <a:endParaRPr lang="zh-TW" altLang="en-US"/>
           </a:p>
@@ -1145,7 +1183,7 @@
           <a:p>
             <a:fld id="{6B7E106A-3076-4081-9BE1-0CA8939742E2}" type="datetimeFigureOut">
               <a:rPr lang="zh-TW" altLang="en-US" smtClean="0"/>
-              <a:t>2014/6/11</a:t>
+              <a:t>2014/6/12</a:t>
             </a:fld>
             <a:endParaRPr lang="zh-TW" altLang="en-US"/>
           </a:p>
@@ -1663,7 +1701,7 @@
           <a:p>
             <a:fld id="{6B7E106A-3076-4081-9BE1-0CA8939742E2}" type="datetimeFigureOut">
               <a:rPr lang="zh-TW" altLang="en-US" smtClean="0"/>
-              <a:t>2014/6/11</a:t>
+              <a:t>2014/6/12</a:t>
             </a:fld>
             <a:endParaRPr lang="zh-TW" altLang="en-US"/>
           </a:p>
@@ -2177,7 +2215,7 @@
           <a:p>
             <a:fld id="{6B7E106A-3076-4081-9BE1-0CA8939742E2}" type="datetimeFigureOut">
               <a:rPr lang="zh-TW" altLang="en-US" smtClean="0"/>
-              <a:t>2014/6/11</a:t>
+              <a:t>2014/6/12</a:t>
             </a:fld>
             <a:endParaRPr lang="zh-TW" altLang="en-US"/>
           </a:p>
@@ -2757,7 +2795,7 @@
           <a:p>
             <a:fld id="{6B7E106A-3076-4081-9BE1-0CA8939742E2}" type="datetimeFigureOut">
               <a:rPr lang="zh-TW" altLang="en-US" smtClean="0"/>
-              <a:t>2014/6/11</a:t>
+              <a:t>2014/6/12</a:t>
             </a:fld>
             <a:endParaRPr lang="zh-TW" altLang="en-US"/>
           </a:p>
@@ -3384,7 +3422,7 @@
           <a:p>
             <a:fld id="{6B7E106A-3076-4081-9BE1-0CA8939742E2}" type="datetimeFigureOut">
               <a:rPr lang="zh-TW" altLang="en-US" smtClean="0"/>
-              <a:t>2014/6/11</a:t>
+              <a:t>2014/6/12</a:t>
             </a:fld>
             <a:endParaRPr lang="zh-TW" altLang="en-US"/>
           </a:p>
@@ -4149,7 +4187,7 @@
           <a:p>
             <a:fld id="{6B7E106A-3076-4081-9BE1-0CA8939742E2}" type="datetimeFigureOut">
               <a:rPr lang="zh-TW" altLang="en-US" smtClean="0"/>
-              <a:t>2014/6/11</a:t>
+              <a:t>2014/6/12</a:t>
             </a:fld>
             <a:endParaRPr lang="zh-TW" altLang="en-US"/>
           </a:p>
@@ -4606,7 +4644,7 @@
           <a:p>
             <a:fld id="{6B7E106A-3076-4081-9BE1-0CA8939742E2}" type="datetimeFigureOut">
               <a:rPr lang="zh-TW" altLang="en-US" smtClean="0"/>
-              <a:t>2014/6/11</a:t>
+              <a:t>2014/6/12</a:t>
             </a:fld>
             <a:endParaRPr lang="zh-TW" altLang="en-US"/>
           </a:p>
@@ -5031,7 +5069,7 @@
           <a:p>
             <a:fld id="{6B7E106A-3076-4081-9BE1-0CA8939742E2}" type="datetimeFigureOut">
               <a:rPr lang="zh-TW" altLang="en-US" smtClean="0"/>
-              <a:t>2014/6/11</a:t>
+              <a:t>2014/6/12</a:t>
             </a:fld>
             <a:endParaRPr lang="zh-TW" altLang="en-US"/>
           </a:p>
@@ -5648,7 +5686,7 @@
           <a:p>
             <a:fld id="{6B7E106A-3076-4081-9BE1-0CA8939742E2}" type="datetimeFigureOut">
               <a:rPr lang="zh-TW" altLang="en-US" smtClean="0"/>
-              <a:t>2014/6/11</a:t>
+              <a:t>2014/6/12</a:t>
             </a:fld>
             <a:endParaRPr lang="zh-TW" altLang="en-US"/>
           </a:p>
@@ -6264,7 +6302,7 @@
           <a:p>
             <a:fld id="{6B7E106A-3076-4081-9BE1-0CA8939742E2}" type="datetimeFigureOut">
               <a:rPr lang="zh-TW" altLang="en-US" smtClean="0"/>
-              <a:t>2014/6/11</a:t>
+              <a:t>2014/6/12</a:t>
             </a:fld>
             <a:endParaRPr lang="zh-TW" altLang="en-US"/>
           </a:p>
@@ -6525,7 +6563,7 @@
           <a:p>
             <a:fld id="{6B7E106A-3076-4081-9BE1-0CA8939742E2}" type="datetimeFigureOut">
               <a:rPr lang="zh-TW" altLang="en-US" smtClean="0"/>
-              <a:t>2014/6/11</a:t>
+              <a:t>2014/6/12</a:t>
             </a:fld>
             <a:endParaRPr lang="zh-TW" altLang="en-US"/>
           </a:p>
@@ -7164,6 +7202,498 @@
 </p:sld>
 </file>
 
+<file path=ppt/slides/slide10.xml><?xml version="1.0" encoding="utf-8"?>
+<p:sld xmlns:a="http://schemas.openxmlformats.org/drawingml/2006/main" xmlns:r="http://schemas.openxmlformats.org/officeDocument/2006/relationships" xmlns:p="http://schemas.openxmlformats.org/presentationml/2006/main">
+  <p:cSld>
+    <p:spTree>
+      <p:nvGrpSpPr>
+        <p:cNvPr id="1" name=""/>
+        <p:cNvGrpSpPr/>
+        <p:nvPr/>
+      </p:nvGrpSpPr>
+      <p:grpSpPr>
+        <a:xfrm>
+          <a:off x="0" y="0"/>
+          <a:ext cx="0" cy="0"/>
+          <a:chOff x="0" y="0"/>
+          <a:chExt cx="0" cy="0"/>
+        </a:xfrm>
+      </p:grpSpPr>
+      <p:sp>
+        <p:nvSpPr>
+          <p:cNvPr id="4" name="標題 3"/>
+          <p:cNvSpPr>
+            <a:spLocks noGrp="1"/>
+          </p:cNvSpPr>
+          <p:nvPr>
+            <p:ph type="title"/>
+          </p:nvPr>
+        </p:nvSpPr>
+        <p:spPr>
+          <a:xfrm rot="995224">
+            <a:off x="-2023745" y="1783332"/>
+            <a:ext cx="5064953" cy="868785"/>
+          </a:xfrm>
+        </p:spPr>
+        <p:txBody>
+          <a:bodyPr>
+            <a:normAutofit fontScale="90000"/>
+          </a:bodyPr>
+          <a:lstStyle/>
+          <a:p>
+            <a:r>
+              <a:rPr lang="en-US" altLang="zh-TW" dirty="0" smtClean="0"/>
+              <a:t>           Demo</a:t>
+            </a:r>
+            <a:br>
+              <a:rPr lang="en-US" altLang="zh-TW" dirty="0" smtClean="0"/>
+            </a:br>
+            <a:r>
+              <a:rPr lang="en-US" altLang="zh-TW" sz="2400" dirty="0"/>
+              <a:t>Audio </a:t>
+            </a:r>
+            <a:r>
+              <a:rPr lang="en-US" altLang="zh-TW" sz="2400" dirty="0" smtClean="0"/>
+              <a:t>Recognition </a:t>
+            </a:r>
+            <a:r>
+              <a:rPr lang="en-US" altLang="zh-TW" dirty="0" smtClean="0"/>
+              <a:t/>
+            </a:r>
+            <a:br>
+              <a:rPr lang="en-US" altLang="zh-TW" dirty="0" smtClean="0"/>
+            </a:br>
+            <a:r>
+              <a:rPr lang="en-US" altLang="zh-TW" dirty="0" smtClean="0"/>
+              <a:t> </a:t>
+            </a:r>
+            <a:endParaRPr lang="en-US" altLang="zh-TW" dirty="0"/>
+          </a:p>
+        </p:txBody>
+      </p:sp>
+      <p:sp>
+        <p:nvSpPr>
+          <p:cNvPr id="2" name="內容版面配置區 1"/>
+          <p:cNvSpPr>
+            <a:spLocks noGrp="1"/>
+          </p:cNvSpPr>
+          <p:nvPr>
+            <p:ph idx="1"/>
+          </p:nvPr>
+        </p:nvSpPr>
+        <p:spPr/>
+        <p:txBody>
+          <a:bodyPr/>
+          <a:lstStyle/>
+          <a:p>
+            <a:endParaRPr lang="zh-TW" altLang="en-US"/>
+          </a:p>
+        </p:txBody>
+      </p:sp>
+    </p:spTree>
+    <p:extLst>
+      <p:ext uri="{BB962C8B-B14F-4D97-AF65-F5344CB8AC3E}">
+        <p14:creationId xmlns:p14="http://schemas.microsoft.com/office/powerpoint/2010/main" val="308697640"/>
+      </p:ext>
+    </p:extLst>
+  </p:cSld>
+  <p:clrMapOvr>
+    <a:masterClrMapping/>
+  </p:clrMapOvr>
+  <p:transition/>
+  <p:timing>
+    <p:tnLst>
+      <p:par>
+        <p:cTn id="1" dur="indefinite" restart="never" nodeType="tmRoot"/>
+      </p:par>
+    </p:tnLst>
+  </p:timing>
+</p:sld>
+</file>
+
+<file path=ppt/slides/slide11.xml><?xml version="1.0" encoding="utf-8"?>
+<p:sld xmlns:a="http://schemas.openxmlformats.org/drawingml/2006/main" xmlns:r="http://schemas.openxmlformats.org/officeDocument/2006/relationships" xmlns:p="http://schemas.openxmlformats.org/presentationml/2006/main">
+  <p:cSld>
+    <p:spTree>
+      <p:nvGrpSpPr>
+        <p:cNvPr id="1" name=""/>
+        <p:cNvGrpSpPr/>
+        <p:nvPr/>
+      </p:nvGrpSpPr>
+      <p:grpSpPr>
+        <a:xfrm>
+          <a:off x="0" y="0"/>
+          <a:ext cx="0" cy="0"/>
+          <a:chOff x="0" y="0"/>
+          <a:chExt cx="0" cy="0"/>
+        </a:xfrm>
+      </p:grpSpPr>
+      <p:sp>
+        <p:nvSpPr>
+          <p:cNvPr id="4" name="標題 3"/>
+          <p:cNvSpPr>
+            <a:spLocks noGrp="1"/>
+          </p:cNvSpPr>
+          <p:nvPr>
+            <p:ph type="title"/>
+          </p:nvPr>
+        </p:nvSpPr>
+        <p:spPr>
+          <a:xfrm rot="995224">
+            <a:off x="-2023745" y="1783332"/>
+            <a:ext cx="5064953" cy="868785"/>
+          </a:xfrm>
+        </p:spPr>
+        <p:txBody>
+          <a:bodyPr>
+            <a:normAutofit fontScale="90000"/>
+          </a:bodyPr>
+          <a:lstStyle/>
+          <a:p>
+            <a:r>
+              <a:rPr lang="en-US" altLang="zh-TW" dirty="0" smtClean="0"/>
+              <a:t>           Demo</a:t>
+            </a:r>
+            <a:br>
+              <a:rPr lang="en-US" altLang="zh-TW" dirty="0" smtClean="0"/>
+            </a:br>
+            <a:r>
+              <a:rPr lang="en-US" altLang="zh-TW" sz="2400" dirty="0" smtClean="0"/>
+              <a:t>Game </a:t>
+            </a:r>
+            <a:r>
+              <a:rPr lang="en-US" altLang="zh-TW" dirty="0" smtClean="0"/>
+              <a:t/>
+            </a:r>
+            <a:br>
+              <a:rPr lang="en-US" altLang="zh-TW" dirty="0" smtClean="0"/>
+            </a:br>
+            <a:r>
+              <a:rPr lang="en-US" altLang="zh-TW" dirty="0" smtClean="0"/>
+              <a:t> </a:t>
+            </a:r>
+            <a:endParaRPr lang="en-US" altLang="zh-TW" dirty="0"/>
+          </a:p>
+        </p:txBody>
+      </p:sp>
+      <p:sp>
+        <p:nvSpPr>
+          <p:cNvPr id="2" name="內容版面配置區 1"/>
+          <p:cNvSpPr>
+            <a:spLocks noGrp="1"/>
+          </p:cNvSpPr>
+          <p:nvPr>
+            <p:ph idx="1"/>
+          </p:nvPr>
+        </p:nvSpPr>
+        <p:spPr/>
+        <p:txBody>
+          <a:bodyPr/>
+          <a:lstStyle/>
+          <a:p>
+            <a:endParaRPr lang="zh-TW" altLang="en-US"/>
+          </a:p>
+        </p:txBody>
+      </p:sp>
+    </p:spTree>
+    <p:extLst>
+      <p:ext uri="{BB962C8B-B14F-4D97-AF65-F5344CB8AC3E}">
+        <p14:creationId xmlns:p14="http://schemas.microsoft.com/office/powerpoint/2010/main" val="3972748793"/>
+      </p:ext>
+    </p:extLst>
+  </p:cSld>
+  <p:clrMapOvr>
+    <a:masterClrMapping/>
+  </p:clrMapOvr>
+  <p:transition/>
+  <p:timing>
+    <p:tnLst>
+      <p:par>
+        <p:cTn id="1" dur="indefinite" restart="never" nodeType="tmRoot"/>
+      </p:par>
+    </p:tnLst>
+  </p:timing>
+</p:sld>
+</file>
+
+<file path=ppt/slides/slide12.xml><?xml version="1.0" encoding="utf-8"?>
+<p:sld xmlns:a="http://schemas.openxmlformats.org/drawingml/2006/main" xmlns:r="http://schemas.openxmlformats.org/officeDocument/2006/relationships" xmlns:p="http://schemas.openxmlformats.org/presentationml/2006/main">
+  <p:cSld>
+    <p:spTree>
+      <p:nvGrpSpPr>
+        <p:cNvPr id="1" name=""/>
+        <p:cNvGrpSpPr/>
+        <p:nvPr/>
+      </p:nvGrpSpPr>
+      <p:grpSpPr>
+        <a:xfrm>
+          <a:off x="0" y="0"/>
+          <a:ext cx="0" cy="0"/>
+          <a:chOff x="0" y="0"/>
+          <a:chExt cx="0" cy="0"/>
+        </a:xfrm>
+      </p:grpSpPr>
+      <p:sp>
+        <p:nvSpPr>
+          <p:cNvPr id="4" name="標題 3"/>
+          <p:cNvSpPr>
+            <a:spLocks noGrp="1"/>
+          </p:cNvSpPr>
+          <p:nvPr>
+            <p:ph type="title"/>
+          </p:nvPr>
+        </p:nvSpPr>
+        <p:spPr>
+          <a:xfrm rot="995224">
+            <a:off x="-2023745" y="1783332"/>
+            <a:ext cx="5064953" cy="868785"/>
+          </a:xfrm>
+        </p:spPr>
+        <p:txBody>
+          <a:bodyPr>
+            <a:normAutofit fontScale="90000"/>
+          </a:bodyPr>
+          <a:lstStyle/>
+          <a:p>
+            <a:r>
+              <a:rPr lang="en-US" altLang="zh-TW" dirty="0" smtClean="0"/>
+              <a:t>           Problem</a:t>
+            </a:r>
+            <a:br>
+              <a:rPr lang="en-US" altLang="zh-TW" dirty="0" smtClean="0"/>
+            </a:br>
+            <a:r>
+              <a:rPr lang="en-US" altLang="zh-TW" sz="2400" dirty="0" smtClean="0"/>
+              <a:t> </a:t>
+            </a:r>
+            <a:r>
+              <a:rPr lang="en-US" altLang="zh-TW" dirty="0" smtClean="0"/>
+              <a:t/>
+            </a:r>
+            <a:br>
+              <a:rPr lang="en-US" altLang="zh-TW" dirty="0" smtClean="0"/>
+            </a:br>
+            <a:r>
+              <a:rPr lang="en-US" altLang="zh-TW" dirty="0" smtClean="0"/>
+              <a:t> </a:t>
+            </a:r>
+            <a:endParaRPr lang="en-US" altLang="zh-TW" dirty="0"/>
+          </a:p>
+        </p:txBody>
+      </p:sp>
+      <p:sp>
+        <p:nvSpPr>
+          <p:cNvPr id="5" name="內容版面配置區 4"/>
+          <p:cNvSpPr>
+            <a:spLocks noGrp="1"/>
+          </p:cNvSpPr>
+          <p:nvPr>
+            <p:ph idx="1"/>
+          </p:nvPr>
+        </p:nvSpPr>
+        <p:spPr>
+          <a:xfrm>
+            <a:off x="3995936" y="620688"/>
+            <a:ext cx="4658735" cy="5077623"/>
+          </a:xfrm>
+        </p:spPr>
+        <p:txBody>
+          <a:bodyPr/>
+          <a:lstStyle/>
+          <a:p>
+            <a:r>
+              <a:rPr lang="zh-TW" altLang="en-US" dirty="0" smtClean="0"/>
+              <a:t>邊放歌邊玩會影響判斷</a:t>
+            </a:r>
+            <a:endParaRPr lang="en-US" altLang="zh-TW" dirty="0" smtClean="0"/>
+          </a:p>
+          <a:p>
+            <a:r>
+              <a:rPr lang="zh-TW" altLang="en-US" dirty="0" smtClean="0"/>
+              <a:t>無法偵測同時敲擊</a:t>
+            </a:r>
+            <a:endParaRPr lang="en-US" altLang="zh-TW" dirty="0" smtClean="0"/>
+          </a:p>
+          <a:p>
+            <a:r>
+              <a:rPr lang="zh-TW" altLang="en-US" dirty="0" smtClean="0"/>
+              <a:t>遊戲</a:t>
+            </a:r>
+            <a:r>
+              <a:rPr lang="zh-TW" altLang="en-US" dirty="0"/>
+              <a:t>畫面</a:t>
+            </a:r>
+            <a:r>
+              <a:rPr lang="zh-TW" altLang="en-US" dirty="0" smtClean="0"/>
+              <a:t>更新速度與聲音會有差異</a:t>
+            </a:r>
+            <a:endParaRPr lang="en-US" altLang="zh-TW" dirty="0" smtClean="0"/>
+          </a:p>
+          <a:p>
+            <a:r>
+              <a:rPr lang="zh-TW" altLang="en-US" dirty="0" smtClean="0"/>
+              <a:t>聲音準確度</a:t>
+            </a:r>
+            <a:endParaRPr lang="en-US" altLang="zh-TW" dirty="0" smtClean="0"/>
+          </a:p>
+        </p:txBody>
+      </p:sp>
+    </p:spTree>
+    <p:extLst>
+      <p:ext uri="{BB962C8B-B14F-4D97-AF65-F5344CB8AC3E}">
+        <p14:creationId xmlns:p14="http://schemas.microsoft.com/office/powerpoint/2010/main" val="4270204441"/>
+      </p:ext>
+    </p:extLst>
+  </p:cSld>
+  <p:clrMapOvr>
+    <a:masterClrMapping/>
+  </p:clrMapOvr>
+  <p:transition/>
+  <p:timing>
+    <p:tnLst>
+      <p:par>
+        <p:cTn id="1" dur="indefinite" restart="never" nodeType="tmRoot"/>
+      </p:par>
+    </p:tnLst>
+  </p:timing>
+</p:sld>
+</file>
+
+<file path=ppt/slides/slide13.xml><?xml version="1.0" encoding="utf-8"?>
+<p:sld xmlns:a="http://schemas.openxmlformats.org/drawingml/2006/main" xmlns:r="http://schemas.openxmlformats.org/officeDocument/2006/relationships" xmlns:p="http://schemas.openxmlformats.org/presentationml/2006/main">
+  <p:cSld>
+    <p:spTree>
+      <p:nvGrpSpPr>
+        <p:cNvPr id="1" name=""/>
+        <p:cNvGrpSpPr/>
+        <p:nvPr/>
+      </p:nvGrpSpPr>
+      <p:grpSpPr>
+        <a:xfrm>
+          <a:off x="0" y="0"/>
+          <a:ext cx="0" cy="0"/>
+          <a:chOff x="0" y="0"/>
+          <a:chExt cx="0" cy="0"/>
+        </a:xfrm>
+      </p:grpSpPr>
+      <p:sp>
+        <p:nvSpPr>
+          <p:cNvPr id="4" name="標題 3"/>
+          <p:cNvSpPr>
+            <a:spLocks noGrp="1"/>
+          </p:cNvSpPr>
+          <p:nvPr>
+            <p:ph type="title"/>
+          </p:nvPr>
+        </p:nvSpPr>
+        <p:spPr>
+          <a:xfrm rot="995224">
+            <a:off x="-2023745" y="1783332"/>
+            <a:ext cx="5064953" cy="868785"/>
+          </a:xfrm>
+        </p:spPr>
+        <p:txBody>
+          <a:bodyPr>
+            <a:normAutofit fontScale="90000"/>
+          </a:bodyPr>
+          <a:lstStyle/>
+          <a:p>
+            <a:r>
+              <a:rPr lang="en-US" altLang="zh-TW" dirty="0" smtClean="0"/>
+              <a:t>           Future Work</a:t>
+            </a:r>
+            <a:br>
+              <a:rPr lang="en-US" altLang="zh-TW" dirty="0" smtClean="0"/>
+            </a:br>
+            <a:r>
+              <a:rPr lang="en-US" altLang="zh-TW" sz="2400" dirty="0" smtClean="0"/>
+              <a:t> </a:t>
+            </a:r>
+            <a:r>
+              <a:rPr lang="en-US" altLang="zh-TW" dirty="0" smtClean="0"/>
+              <a:t/>
+            </a:r>
+            <a:br>
+              <a:rPr lang="en-US" altLang="zh-TW" dirty="0" smtClean="0"/>
+            </a:br>
+            <a:r>
+              <a:rPr lang="en-US" altLang="zh-TW" dirty="0" smtClean="0"/>
+              <a:t> </a:t>
+            </a:r>
+            <a:endParaRPr lang="en-US" altLang="zh-TW" dirty="0"/>
+          </a:p>
+        </p:txBody>
+      </p:sp>
+      <p:sp>
+        <p:nvSpPr>
+          <p:cNvPr id="5" name="內容版面配置區 4"/>
+          <p:cNvSpPr>
+            <a:spLocks noGrp="1"/>
+          </p:cNvSpPr>
+          <p:nvPr>
+            <p:ph idx="1"/>
+          </p:nvPr>
+        </p:nvSpPr>
+        <p:spPr>
+          <a:xfrm>
+            <a:off x="3995936" y="620688"/>
+            <a:ext cx="4658735" cy="5077623"/>
+          </a:xfrm>
+        </p:spPr>
+        <p:txBody>
+          <a:bodyPr/>
+          <a:lstStyle/>
+          <a:p>
+            <a:r>
+              <a:rPr lang="en-US" altLang="zh-TW" dirty="0" smtClean="0"/>
+              <a:t>Battle System</a:t>
+            </a:r>
+          </a:p>
+          <a:p>
+            <a:r>
+              <a:rPr lang="en-US" altLang="zh-TW" dirty="0" smtClean="0"/>
+              <a:t>Higher accuracy</a:t>
+            </a:r>
+          </a:p>
+          <a:p>
+            <a:r>
+              <a:rPr lang="en-US" altLang="zh-TW" dirty="0" smtClean="0"/>
+              <a:t>Detect different sounds at same time</a:t>
+            </a:r>
+          </a:p>
+          <a:p>
+            <a:r>
+              <a:rPr lang="en-US" altLang="zh-TW" smtClean="0"/>
+              <a:t>Noisy removed </a:t>
+            </a:r>
+            <a:endParaRPr lang="en-US" altLang="zh-TW" dirty="0" smtClean="0"/>
+          </a:p>
+          <a:p>
+            <a:endParaRPr lang="en-US" altLang="zh-TW" dirty="0" smtClean="0"/>
+          </a:p>
+        </p:txBody>
+      </p:sp>
+    </p:spTree>
+    <p:extLst>
+      <p:ext uri="{BB962C8B-B14F-4D97-AF65-F5344CB8AC3E}">
+        <p14:creationId xmlns:p14="http://schemas.microsoft.com/office/powerpoint/2010/main" val="53574716"/>
+      </p:ext>
+    </p:extLst>
+  </p:cSld>
+  <p:clrMapOvr>
+    <a:masterClrMapping/>
+  </p:clrMapOvr>
+  <p:transition/>
+  <p:timing>
+    <p:tnLst>
+      <p:par>
+        <p:cTn id="1" dur="indefinite" restart="never" nodeType="tmRoot"/>
+      </p:par>
+    </p:tnLst>
+  </p:timing>
+</p:sld>
+</file>
+
 <file path=ppt/slides/slide2.xml><?xml version="1.0" encoding="utf-8"?>
 <p:sld xmlns:a="http://schemas.openxmlformats.org/drawingml/2006/main" xmlns:r="http://schemas.openxmlformats.org/officeDocument/2006/relationships" xmlns:p="http://schemas.openxmlformats.org/presentationml/2006/main">
   <p:cSld>
@@ -7193,20 +7723,39 @@
         </p:nvSpPr>
         <p:spPr>
           <a:xfrm rot="995224">
-            <a:off x="-881984" y="965523"/>
+            <a:off x="-2023745" y="1783332"/>
             <a:ext cx="5064953" cy="868785"/>
           </a:xfrm>
         </p:spPr>
         <p:txBody>
-          <a:bodyPr/>
+          <a:bodyPr>
+            <a:normAutofit fontScale="90000"/>
+          </a:bodyPr>
           <a:lstStyle/>
           <a:p>
-            <a:pPr algn="ctr"/>
             <a:r>
               <a:rPr lang="en-US" altLang="zh-TW" dirty="0" smtClean="0"/>
-              <a:t>Outline</a:t>
-            </a:r>
-            <a:endParaRPr lang="zh-TW" altLang="en-US" dirty="0"/>
+              <a:t>           Outline</a:t>
+            </a:r>
+            <a:br>
+              <a:rPr lang="en-US" altLang="zh-TW" dirty="0" smtClean="0"/>
+            </a:br>
+            <a:r>
+              <a:rPr lang="en-US" altLang="zh-TW" sz="2400" dirty="0" smtClean="0"/>
+              <a:t> </a:t>
+            </a:r>
+            <a:r>
+              <a:rPr lang="en-US" altLang="zh-TW" dirty="0" smtClean="0"/>
+              <a:t/>
+            </a:r>
+            <a:br>
+              <a:rPr lang="en-US" altLang="zh-TW" dirty="0" smtClean="0"/>
+            </a:br>
+            <a:r>
+              <a:rPr lang="en-US" altLang="zh-TW" dirty="0" smtClean="0"/>
+              <a:t> </a:t>
+            </a:r>
+            <a:endParaRPr lang="en-US" altLang="zh-TW" dirty="0"/>
           </a:p>
         </p:txBody>
       </p:sp>
@@ -7231,22 +7780,51 @@
           <a:lstStyle/>
           <a:p>
             <a:r>
+              <a:rPr lang="en-US" altLang="zh-TW" dirty="0"/>
+              <a:t>Introduction</a:t>
+            </a:r>
+          </a:p>
+          <a:p>
+            <a:r>
               <a:rPr lang="en-US" altLang="zh-TW" dirty="0" smtClean="0"/>
-              <a:t>Introduction</a:t>
-            </a:r>
-          </a:p>
-          <a:p>
-            <a:pPr marL="0" indent="0">
-              <a:buNone/>
-            </a:pPr>
-            <a:endParaRPr lang="en-US" altLang="zh-TW"/>
+              <a:t>System</a:t>
+            </a:r>
+            <a:endParaRPr lang="en-US" altLang="zh-TW" dirty="0"/>
+          </a:p>
+          <a:p>
+            <a:r>
+              <a:rPr lang="en-US" altLang="zh-TW" dirty="0" smtClean="0"/>
+              <a:t>Technique</a:t>
+            </a:r>
+          </a:p>
+          <a:p>
+            <a:r>
+              <a:rPr lang="en-US" altLang="zh-TW" dirty="0" smtClean="0"/>
+              <a:t>Problem</a:t>
+            </a:r>
+          </a:p>
+          <a:p>
+            <a:r>
+              <a:rPr lang="en-US" altLang="zh-TW" dirty="0" smtClean="0"/>
+              <a:t>Future Work</a:t>
+            </a:r>
+            <a:endParaRPr lang="en-US" altLang="zh-TW" dirty="0"/>
+          </a:p>
+          <a:p>
+            <a:r>
+              <a:rPr lang="en-US" altLang="zh-TW" dirty="0"/>
+              <a:t>Demo</a:t>
+            </a:r>
+          </a:p>
+          <a:p>
+            <a:endParaRPr lang="en-US" altLang="zh-TW" dirty="0" smtClean="0"/>
           </a:p>
         </p:txBody>
       </p:sp>
     </p:spTree>
     <p:extLst>
       <p:ext uri="{BB962C8B-B14F-4D97-AF65-F5344CB8AC3E}">
-        <p14:creationId xmlns:p14="http://schemas.microsoft.com/office/powerpoint/2010/main" val="3015128753"/>
+        <p14:creationId xmlns:p14="http://schemas.microsoft.com/office/powerpoint/2010/main" val="3339256160"/>
       </p:ext>
     </p:extLst>
   </p:cSld>
@@ -7254,6 +7832,959 @@
     <a:masterClrMapping/>
   </p:clrMapOvr>
   <p:transition/>
+  <p:timing>
+    <p:tnLst>
+      <p:par>
+        <p:cTn id="1" dur="indefinite" restart="never" nodeType="tmRoot"/>
+      </p:par>
+    </p:tnLst>
+  </p:timing>
+</p:sld>
+</file>
+
+<file path=ppt/slides/slide3.xml><?xml version="1.0" encoding="utf-8"?>
+<p:sld xmlns:a="http://schemas.openxmlformats.org/drawingml/2006/main" xmlns:r="http://schemas.openxmlformats.org/officeDocument/2006/relationships" xmlns:p="http://schemas.openxmlformats.org/presentationml/2006/main">
+  <p:cSld>
+    <p:spTree>
+      <p:nvGrpSpPr>
+        <p:cNvPr id="1" name=""/>
+        <p:cNvGrpSpPr/>
+        <p:nvPr/>
+      </p:nvGrpSpPr>
+      <p:grpSpPr>
+        <a:xfrm>
+          <a:off x="0" y="0"/>
+          <a:ext cx="0" cy="0"/>
+          <a:chOff x="0" y="0"/>
+          <a:chExt cx="0" cy="0"/>
+        </a:xfrm>
+      </p:grpSpPr>
+      <p:sp>
+        <p:nvSpPr>
+          <p:cNvPr id="4" name="標題 3"/>
+          <p:cNvSpPr>
+            <a:spLocks noGrp="1"/>
+          </p:cNvSpPr>
+          <p:nvPr>
+            <p:ph type="title"/>
+          </p:nvPr>
+        </p:nvSpPr>
+        <p:spPr>
+          <a:xfrm rot="995224">
+            <a:off x="-2023745" y="1783332"/>
+            <a:ext cx="5064953" cy="868785"/>
+          </a:xfrm>
+        </p:spPr>
+        <p:txBody>
+          <a:bodyPr>
+            <a:normAutofit fontScale="90000"/>
+          </a:bodyPr>
+          <a:lstStyle/>
+          <a:p>
+            <a:r>
+              <a:rPr lang="en-US" altLang="zh-TW" dirty="0" smtClean="0"/>
+              <a:t>           Introduction</a:t>
+            </a:r>
+            <a:br>
+              <a:rPr lang="en-US" altLang="zh-TW" dirty="0" smtClean="0"/>
+            </a:br>
+            <a:r>
+              <a:rPr lang="en-US" altLang="zh-TW" sz="2400" dirty="0" smtClean="0"/>
+              <a:t> </a:t>
+            </a:r>
+            <a:r>
+              <a:rPr lang="en-US" altLang="zh-TW" dirty="0" smtClean="0"/>
+              <a:t/>
+            </a:r>
+            <a:br>
+              <a:rPr lang="en-US" altLang="zh-TW" dirty="0" smtClean="0"/>
+            </a:br>
+            <a:r>
+              <a:rPr lang="en-US" altLang="zh-TW" dirty="0" smtClean="0"/>
+              <a:t> </a:t>
+            </a:r>
+            <a:endParaRPr lang="en-US" altLang="zh-TW" dirty="0"/>
+          </a:p>
+        </p:txBody>
+      </p:sp>
+      <p:sp>
+        <p:nvSpPr>
+          <p:cNvPr id="5" name="內容版面配置區 4"/>
+          <p:cNvSpPr>
+            <a:spLocks noGrp="1"/>
+          </p:cNvSpPr>
+          <p:nvPr>
+            <p:ph idx="1"/>
+          </p:nvPr>
+        </p:nvSpPr>
+        <p:spPr>
+          <a:xfrm>
+            <a:off x="3995936" y="620688"/>
+            <a:ext cx="4658735" cy="5077623"/>
+          </a:xfrm>
+        </p:spPr>
+        <p:txBody>
+          <a:bodyPr/>
+          <a:lstStyle/>
+          <a:p>
+            <a:r>
+              <a:rPr lang="zh-TW" altLang="en-US" dirty="0"/>
+              <a:t>音樂節奏遊戲</a:t>
+            </a:r>
+            <a:endParaRPr lang="en-US" altLang="zh-TW" dirty="0"/>
+          </a:p>
+          <a:p>
+            <a:r>
+              <a:rPr lang="zh-TW" altLang="en-US" dirty="0"/>
+              <a:t>自訂敲擊聲音</a:t>
+            </a:r>
+            <a:endParaRPr lang="en-US" altLang="zh-TW" dirty="0"/>
+          </a:p>
+          <a:p>
+            <a:r>
+              <a:rPr lang="zh-TW" altLang="en-US" dirty="0"/>
+              <a:t>身歷其境的使用者經驗</a:t>
+            </a:r>
+            <a:endParaRPr lang="en-US" altLang="zh-TW" dirty="0"/>
+          </a:p>
+          <a:p>
+            <a:endParaRPr lang="en-US" altLang="zh-TW" dirty="0" smtClean="0"/>
+          </a:p>
+        </p:txBody>
+      </p:sp>
+      <p:pic>
+        <p:nvPicPr>
+          <p:cNvPr id="6" name="Picture 2" descr="http://pic.pimg.tw/moonpsp/1308275280-009489c7513e9885548cf92cc69ba989.jpg"/>
+          <p:cNvPicPr>
+            <a:picLocks noChangeAspect="1" noChangeArrowheads="1"/>
+          </p:cNvPicPr>
+          <p:nvPr/>
+        </p:nvPicPr>
+        <p:blipFill>
+          <a:blip r:embed="rId2">
+            <a:extLst>
+              <a:ext uri="{28A0092B-C50C-407E-A947-70E740481C1C}">
+                <a14:useLocalDpi xmlns:a14="http://schemas.microsoft.com/office/drawing/2010/main" val="0"/>
+              </a:ext>
+            </a:extLst>
+          </a:blip>
+          <a:srcRect/>
+          <a:stretch>
+            <a:fillRect/>
+          </a:stretch>
+        </p:blipFill>
+        <p:spPr bwMode="auto">
+          <a:xfrm>
+            <a:off x="3635896" y="3789040"/>
+            <a:ext cx="4572000" cy="2590800"/>
+          </a:xfrm>
+          <a:prstGeom prst="rect">
+            <a:avLst/>
+          </a:prstGeom>
+          <a:noFill/>
+          <a:extLst>
+            <a:ext uri="{909E8E84-426E-40DD-AFC4-6F175D3DCCD1}">
+              <a14:hiddenFill xmlns:a14="http://schemas.microsoft.com/office/drawing/2010/main">
+                <a:solidFill>
+                  <a:srgbClr val="FFFFFF"/>
+                </a:solidFill>
+              </a14:hiddenFill>
+            </a:ext>
+          </a:extLst>
+        </p:spPr>
+      </p:pic>
+    </p:spTree>
+    <p:extLst>
+      <p:ext uri="{BB962C8B-B14F-4D97-AF65-F5344CB8AC3E}">
+        <p14:creationId xmlns:p14="http://schemas.microsoft.com/office/powerpoint/2010/main" val="319769642"/>
+      </p:ext>
+    </p:extLst>
+  </p:cSld>
+  <p:clrMapOvr>
+    <a:masterClrMapping/>
+  </p:clrMapOvr>
+  <p:transition/>
+  <p:timing>
+    <p:tnLst>
+      <p:par>
+        <p:cTn id="1" dur="indefinite" restart="never" nodeType="tmRoot"/>
+      </p:par>
+    </p:tnLst>
+  </p:timing>
+</p:sld>
+</file>
+
+<file path=ppt/slides/slide4.xml><?xml version="1.0" encoding="utf-8"?>
+<p:sld xmlns:a="http://schemas.openxmlformats.org/drawingml/2006/main" xmlns:r="http://schemas.openxmlformats.org/officeDocument/2006/relationships" xmlns:p="http://schemas.openxmlformats.org/presentationml/2006/main">
+  <p:cSld>
+    <p:spTree>
+      <p:nvGrpSpPr>
+        <p:cNvPr id="1" name=""/>
+        <p:cNvGrpSpPr/>
+        <p:nvPr/>
+      </p:nvGrpSpPr>
+      <p:grpSpPr>
+        <a:xfrm>
+          <a:off x="0" y="0"/>
+          <a:ext cx="0" cy="0"/>
+          <a:chOff x="0" y="0"/>
+          <a:chExt cx="0" cy="0"/>
+        </a:xfrm>
+      </p:grpSpPr>
+      <p:sp>
+        <p:nvSpPr>
+          <p:cNvPr id="4" name="標題 3"/>
+          <p:cNvSpPr>
+            <a:spLocks noGrp="1"/>
+          </p:cNvSpPr>
+          <p:nvPr>
+            <p:ph type="title"/>
+          </p:nvPr>
+        </p:nvSpPr>
+        <p:spPr>
+          <a:xfrm rot="995224">
+            <a:off x="-2023745" y="1783332"/>
+            <a:ext cx="5064953" cy="868785"/>
+          </a:xfrm>
+        </p:spPr>
+        <p:txBody>
+          <a:bodyPr>
+            <a:normAutofit fontScale="90000"/>
+          </a:bodyPr>
+          <a:lstStyle/>
+          <a:p>
+            <a:r>
+              <a:rPr lang="en-US" altLang="zh-TW" dirty="0" smtClean="0"/>
+              <a:t>           System</a:t>
+            </a:r>
+            <a:br>
+              <a:rPr lang="en-US" altLang="zh-TW" dirty="0" smtClean="0"/>
+            </a:br>
+            <a:r>
+              <a:rPr lang="en-US" altLang="zh-TW" sz="2400" dirty="0" smtClean="0"/>
+              <a:t> </a:t>
+            </a:r>
+            <a:r>
+              <a:rPr lang="en-US" altLang="zh-TW" dirty="0" smtClean="0"/>
+              <a:t/>
+            </a:r>
+            <a:br>
+              <a:rPr lang="en-US" altLang="zh-TW" dirty="0" smtClean="0"/>
+            </a:br>
+            <a:r>
+              <a:rPr lang="en-US" altLang="zh-TW" dirty="0" smtClean="0"/>
+              <a:t> </a:t>
+            </a:r>
+            <a:endParaRPr lang="en-US" altLang="zh-TW" dirty="0"/>
+          </a:p>
+        </p:txBody>
+      </p:sp>
+      <p:pic>
+        <p:nvPicPr>
+          <p:cNvPr id="2" name="內容版面配置區 1"/>
+          <p:cNvPicPr>
+            <a:picLocks noGrp="1" noChangeAspect="1"/>
+          </p:cNvPicPr>
+          <p:nvPr>
+            <p:ph idx="1"/>
+          </p:nvPr>
+        </p:nvPicPr>
+        <p:blipFill>
+          <a:blip r:embed="rId2">
+            <a:extLst>
+              <a:ext uri="{28A0092B-C50C-407E-A947-70E740481C1C}">
+                <a14:useLocalDpi xmlns:a14="http://schemas.microsoft.com/office/drawing/2010/main" val="0"/>
+              </a:ext>
+            </a:extLst>
+          </a:blip>
+          <a:stretch>
+            <a:fillRect/>
+          </a:stretch>
+        </p:blipFill>
+        <p:spPr>
+          <a:xfrm>
+            <a:off x="3965681" y="332656"/>
+            <a:ext cx="5034302" cy="6373115"/>
+          </a:xfrm>
+        </p:spPr>
+      </p:pic>
+    </p:spTree>
+    <p:extLst>
+      <p:ext uri="{BB962C8B-B14F-4D97-AF65-F5344CB8AC3E}">
+        <p14:creationId xmlns:p14="http://schemas.microsoft.com/office/powerpoint/2010/main" val="964041438"/>
+      </p:ext>
+    </p:extLst>
+  </p:cSld>
+  <p:clrMapOvr>
+    <a:masterClrMapping/>
+  </p:clrMapOvr>
+  <p:transition/>
+  <p:timing>
+    <p:tnLst>
+      <p:par>
+        <p:cTn id="1" dur="indefinite" restart="never" nodeType="tmRoot"/>
+      </p:par>
+    </p:tnLst>
+  </p:timing>
+</p:sld>
+</file>
+
+<file path=ppt/slides/slide5.xml><?xml version="1.0" encoding="utf-8"?>
+<p:sld xmlns:a="http://schemas.openxmlformats.org/drawingml/2006/main" xmlns:r="http://schemas.openxmlformats.org/officeDocument/2006/relationships" xmlns:p="http://schemas.openxmlformats.org/presentationml/2006/main">
+  <p:cSld>
+    <p:spTree>
+      <p:nvGrpSpPr>
+        <p:cNvPr id="1" name=""/>
+        <p:cNvGrpSpPr/>
+        <p:nvPr/>
+      </p:nvGrpSpPr>
+      <p:grpSpPr>
+        <a:xfrm>
+          <a:off x="0" y="0"/>
+          <a:ext cx="0" cy="0"/>
+          <a:chOff x="0" y="0"/>
+          <a:chExt cx="0" cy="0"/>
+        </a:xfrm>
+      </p:grpSpPr>
+      <p:sp>
+        <p:nvSpPr>
+          <p:cNvPr id="4" name="標題 3"/>
+          <p:cNvSpPr>
+            <a:spLocks noGrp="1"/>
+          </p:cNvSpPr>
+          <p:nvPr>
+            <p:ph type="title"/>
+          </p:nvPr>
+        </p:nvSpPr>
+        <p:spPr>
+          <a:xfrm rot="995224">
+            <a:off x="-2023745" y="1783332"/>
+            <a:ext cx="5064953" cy="868785"/>
+          </a:xfrm>
+        </p:spPr>
+        <p:txBody>
+          <a:bodyPr>
+            <a:normAutofit fontScale="90000"/>
+          </a:bodyPr>
+          <a:lstStyle/>
+          <a:p>
+            <a:r>
+              <a:rPr lang="en-US" altLang="zh-TW" dirty="0" smtClean="0"/>
+              <a:t>           Technique</a:t>
+            </a:r>
+            <a:br>
+              <a:rPr lang="en-US" altLang="zh-TW" dirty="0" smtClean="0"/>
+            </a:br>
+            <a:r>
+              <a:rPr lang="zh-TW" altLang="en-US" sz="2700" dirty="0" smtClean="0"/>
+              <a:t> </a:t>
+            </a:r>
+            <a:r>
+              <a:rPr lang="en-US" altLang="zh-TW" dirty="0"/>
+              <a:t/>
+            </a:r>
+            <a:br>
+              <a:rPr lang="en-US" altLang="zh-TW" dirty="0"/>
+            </a:br>
+            <a:r>
+              <a:rPr lang="en-US" altLang="zh-TW" dirty="0" smtClean="0"/>
+              <a:t> </a:t>
+            </a:r>
+            <a:endParaRPr lang="en-US" altLang="zh-TW" dirty="0"/>
+          </a:p>
+        </p:txBody>
+      </p:sp>
+      <p:sp>
+        <p:nvSpPr>
+          <p:cNvPr id="5" name="內容版面配置區 4"/>
+          <p:cNvSpPr>
+            <a:spLocks noGrp="1"/>
+          </p:cNvSpPr>
+          <p:nvPr>
+            <p:ph idx="1"/>
+          </p:nvPr>
+        </p:nvSpPr>
+        <p:spPr>
+          <a:xfrm>
+            <a:off x="3995936" y="620688"/>
+            <a:ext cx="4658735" cy="5077623"/>
+          </a:xfrm>
+        </p:spPr>
+        <p:txBody>
+          <a:bodyPr/>
+          <a:lstStyle/>
+          <a:p>
+            <a:r>
+              <a:rPr lang="en-US" altLang="zh-TW" dirty="0"/>
+              <a:t>Audio R</a:t>
+            </a:r>
+            <a:r>
+              <a:rPr lang="en-US" altLang="zh-TW" dirty="0" smtClean="0"/>
+              <a:t>ecognition</a:t>
+            </a:r>
+          </a:p>
+          <a:p>
+            <a:r>
+              <a:rPr lang="en-US" altLang="zh-TW" dirty="0" smtClean="0"/>
+              <a:t>Beat Tracking</a:t>
+            </a:r>
+          </a:p>
+          <a:p>
+            <a:r>
+              <a:rPr lang="en-US" altLang="zh-TW" dirty="0" smtClean="0"/>
+              <a:t>Audio Matching</a:t>
+            </a:r>
+          </a:p>
+          <a:p>
+            <a:r>
+              <a:rPr lang="en-US" altLang="zh-TW" dirty="0" smtClean="0"/>
+              <a:t>Handle </a:t>
+            </a:r>
+            <a:r>
+              <a:rPr lang="en-US" altLang="zh-TW" dirty="0"/>
+              <a:t>I</a:t>
+            </a:r>
+            <a:r>
+              <a:rPr lang="en-US" altLang="zh-TW" dirty="0" smtClean="0"/>
+              <a:t>nput Stream</a:t>
+            </a:r>
+          </a:p>
+          <a:p>
+            <a:pPr marL="0" indent="0">
+              <a:buNone/>
+            </a:pPr>
+            <a:endParaRPr lang="en-US" altLang="zh-TW" dirty="0"/>
+          </a:p>
+        </p:txBody>
+      </p:sp>
+    </p:spTree>
+    <p:extLst>
+      <p:ext uri="{BB962C8B-B14F-4D97-AF65-F5344CB8AC3E}">
+        <p14:creationId xmlns:p14="http://schemas.microsoft.com/office/powerpoint/2010/main" val="4162365846"/>
+      </p:ext>
+    </p:extLst>
+  </p:cSld>
+  <p:clrMapOvr>
+    <a:masterClrMapping/>
+  </p:clrMapOvr>
+  <p:transition/>
+  <p:timing>
+    <p:tnLst>
+      <p:par>
+        <p:cTn id="1" dur="indefinite" restart="never" nodeType="tmRoot"/>
+      </p:par>
+    </p:tnLst>
+  </p:timing>
+</p:sld>
+</file>
+
+<file path=ppt/slides/slide6.xml><?xml version="1.0" encoding="utf-8"?>
+<p:sld xmlns:a="http://schemas.openxmlformats.org/drawingml/2006/main" xmlns:r="http://schemas.openxmlformats.org/officeDocument/2006/relationships" xmlns:p="http://schemas.openxmlformats.org/presentationml/2006/main">
+  <p:cSld>
+    <p:spTree>
+      <p:nvGrpSpPr>
+        <p:cNvPr id="1" name=""/>
+        <p:cNvGrpSpPr/>
+        <p:nvPr/>
+      </p:nvGrpSpPr>
+      <p:grpSpPr>
+        <a:xfrm>
+          <a:off x="0" y="0"/>
+          <a:ext cx="0" cy="0"/>
+          <a:chOff x="0" y="0"/>
+          <a:chExt cx="0" cy="0"/>
+        </a:xfrm>
+      </p:grpSpPr>
+      <p:sp>
+        <p:nvSpPr>
+          <p:cNvPr id="4" name="標題 3"/>
+          <p:cNvSpPr>
+            <a:spLocks noGrp="1"/>
+          </p:cNvSpPr>
+          <p:nvPr>
+            <p:ph type="title"/>
+          </p:nvPr>
+        </p:nvSpPr>
+        <p:spPr>
+          <a:xfrm rot="995224">
+            <a:off x="-2023745" y="1783332"/>
+            <a:ext cx="5064953" cy="868785"/>
+          </a:xfrm>
+        </p:spPr>
+        <p:txBody>
+          <a:bodyPr>
+            <a:normAutofit fontScale="90000"/>
+          </a:bodyPr>
+          <a:lstStyle/>
+          <a:p>
+            <a:r>
+              <a:rPr lang="en-US" altLang="zh-TW" dirty="0" smtClean="0"/>
+              <a:t>           Technique</a:t>
+            </a:r>
+            <a:br>
+              <a:rPr lang="en-US" altLang="zh-TW" dirty="0" smtClean="0"/>
+            </a:br>
+            <a:r>
+              <a:rPr lang="en-US" altLang="zh-TW" sz="2700" dirty="0" smtClean="0"/>
+              <a:t>Audio </a:t>
+            </a:r>
+            <a:r>
+              <a:rPr lang="en-US" altLang="zh-TW" sz="2700" dirty="0"/>
+              <a:t>Recognition</a:t>
+            </a:r>
+            <a:r>
+              <a:rPr lang="en-US" altLang="zh-TW" dirty="0"/>
+              <a:t/>
+            </a:r>
+            <a:br>
+              <a:rPr lang="en-US" altLang="zh-TW" dirty="0"/>
+            </a:br>
+            <a:r>
+              <a:rPr lang="en-US" altLang="zh-TW" dirty="0" smtClean="0"/>
+              <a:t> </a:t>
+            </a:r>
+            <a:endParaRPr lang="en-US" altLang="zh-TW" dirty="0"/>
+          </a:p>
+        </p:txBody>
+      </p:sp>
+      <p:sp>
+        <p:nvSpPr>
+          <p:cNvPr id="5" name="內容版面配置區 4"/>
+          <p:cNvSpPr>
+            <a:spLocks noGrp="1"/>
+          </p:cNvSpPr>
+          <p:nvPr>
+            <p:ph idx="1"/>
+          </p:nvPr>
+        </p:nvSpPr>
+        <p:spPr>
+          <a:xfrm>
+            <a:off x="3995936" y="620688"/>
+            <a:ext cx="4658735" cy="5077623"/>
+          </a:xfrm>
+        </p:spPr>
+        <p:txBody>
+          <a:bodyPr/>
+          <a:lstStyle/>
+          <a:p>
+            <a:r>
+              <a:rPr lang="en-US" altLang="zh-TW" dirty="0" smtClean="0"/>
+              <a:t>Recording </a:t>
+            </a:r>
+          </a:p>
+          <a:p>
+            <a:r>
+              <a:rPr lang="en-US" altLang="zh-TW" dirty="0" smtClean="0"/>
+              <a:t>End Point Detection</a:t>
+            </a:r>
+          </a:p>
+          <a:p>
+            <a:r>
+              <a:rPr lang="en-US" altLang="zh-TW" dirty="0" smtClean="0"/>
+              <a:t>MFCC Feature Extraction </a:t>
+            </a:r>
+          </a:p>
+          <a:p>
+            <a:pPr marL="0" indent="0">
+              <a:buNone/>
+            </a:pPr>
+            <a:endParaRPr lang="en-US" altLang="zh-TW" dirty="0"/>
+          </a:p>
+        </p:txBody>
+      </p:sp>
+    </p:spTree>
+    <p:extLst>
+      <p:ext uri="{BB962C8B-B14F-4D97-AF65-F5344CB8AC3E}">
+        <p14:creationId xmlns:p14="http://schemas.microsoft.com/office/powerpoint/2010/main" val="111369260"/>
+      </p:ext>
+    </p:extLst>
+  </p:cSld>
+  <p:clrMapOvr>
+    <a:masterClrMapping/>
+  </p:clrMapOvr>
+  <p:transition/>
+  <p:timing>
+    <p:tnLst>
+      <p:par>
+        <p:cTn id="1" dur="indefinite" restart="never" nodeType="tmRoot"/>
+      </p:par>
+    </p:tnLst>
+  </p:timing>
+</p:sld>
+</file>
+
+<file path=ppt/slides/slide7.xml><?xml version="1.0" encoding="utf-8"?>
+<p:sld xmlns:a="http://schemas.openxmlformats.org/drawingml/2006/main" xmlns:r="http://schemas.openxmlformats.org/officeDocument/2006/relationships" xmlns:p="http://schemas.openxmlformats.org/presentationml/2006/main">
+  <p:cSld>
+    <p:spTree>
+      <p:nvGrpSpPr>
+        <p:cNvPr id="1" name=""/>
+        <p:cNvGrpSpPr/>
+        <p:nvPr/>
+      </p:nvGrpSpPr>
+      <p:grpSpPr>
+        <a:xfrm>
+          <a:off x="0" y="0"/>
+          <a:ext cx="0" cy="0"/>
+          <a:chOff x="0" y="0"/>
+          <a:chExt cx="0" cy="0"/>
+        </a:xfrm>
+      </p:grpSpPr>
+      <p:sp>
+        <p:nvSpPr>
+          <p:cNvPr id="4" name="標題 3"/>
+          <p:cNvSpPr>
+            <a:spLocks noGrp="1"/>
+          </p:cNvSpPr>
+          <p:nvPr>
+            <p:ph type="title"/>
+          </p:nvPr>
+        </p:nvSpPr>
+        <p:spPr>
+          <a:xfrm rot="995224">
+            <a:off x="-2023745" y="1783332"/>
+            <a:ext cx="5064953" cy="868785"/>
+          </a:xfrm>
+        </p:spPr>
+        <p:txBody>
+          <a:bodyPr>
+            <a:normAutofit fontScale="90000"/>
+          </a:bodyPr>
+          <a:lstStyle/>
+          <a:p>
+            <a:r>
+              <a:rPr lang="en-US" altLang="zh-TW" dirty="0" smtClean="0"/>
+              <a:t>           Technique</a:t>
+            </a:r>
+            <a:br>
+              <a:rPr lang="en-US" altLang="zh-TW" dirty="0" smtClean="0"/>
+            </a:br>
+            <a:r>
+              <a:rPr lang="en-US" altLang="zh-TW" sz="2700" dirty="0"/>
+              <a:t>Beat </a:t>
+            </a:r>
+            <a:r>
+              <a:rPr lang="en-US" altLang="zh-TW" sz="2700" dirty="0" smtClean="0"/>
+              <a:t>Tracking</a:t>
+            </a:r>
+            <a:r>
+              <a:rPr lang="en-US" altLang="zh-TW" dirty="0" smtClean="0"/>
+              <a:t/>
+            </a:r>
+            <a:br>
+              <a:rPr lang="en-US" altLang="zh-TW" dirty="0" smtClean="0"/>
+            </a:br>
+            <a:r>
+              <a:rPr lang="en-US" altLang="zh-TW" dirty="0" smtClean="0"/>
+              <a:t> </a:t>
+            </a:r>
+            <a:endParaRPr lang="en-US" altLang="zh-TW" dirty="0"/>
+          </a:p>
+        </p:txBody>
+      </p:sp>
+      <p:sp>
+        <p:nvSpPr>
+          <p:cNvPr id="5" name="內容版面配置區 4"/>
+          <p:cNvSpPr>
+            <a:spLocks noGrp="1"/>
+          </p:cNvSpPr>
+          <p:nvPr>
+            <p:ph idx="1"/>
+          </p:nvPr>
+        </p:nvSpPr>
+        <p:spPr>
+          <a:xfrm>
+            <a:off x="3995936" y="620688"/>
+            <a:ext cx="4658735" cy="5077623"/>
+          </a:xfrm>
+        </p:spPr>
+        <p:txBody>
+          <a:bodyPr/>
+          <a:lstStyle/>
+          <a:p>
+            <a:r>
+              <a:rPr lang="en-US" altLang="zh-TW" dirty="0" smtClean="0"/>
+              <a:t>For preparing database</a:t>
+            </a:r>
+          </a:p>
+          <a:p>
+            <a:r>
+              <a:rPr lang="en-US" altLang="zh-TW" dirty="0" smtClean="0"/>
+              <a:t>Use Library from professor Roger </a:t>
+            </a:r>
+          </a:p>
+        </p:txBody>
+      </p:sp>
+    </p:spTree>
+    <p:extLst>
+      <p:ext uri="{BB962C8B-B14F-4D97-AF65-F5344CB8AC3E}">
+        <p14:creationId xmlns:p14="http://schemas.microsoft.com/office/powerpoint/2010/main" val="2538974108"/>
+      </p:ext>
+    </p:extLst>
+  </p:cSld>
+  <p:clrMapOvr>
+    <a:masterClrMapping/>
+  </p:clrMapOvr>
+  <p:transition/>
+  <p:timing>
+    <p:tnLst>
+      <p:par>
+        <p:cTn id="1" dur="indefinite" restart="never" nodeType="tmRoot"/>
+      </p:par>
+    </p:tnLst>
+  </p:timing>
+</p:sld>
+</file>
+
+<file path=ppt/slides/slide8.xml><?xml version="1.0" encoding="utf-8"?>
+<p:sld xmlns:a="http://schemas.openxmlformats.org/drawingml/2006/main" xmlns:r="http://schemas.openxmlformats.org/officeDocument/2006/relationships" xmlns:p="http://schemas.openxmlformats.org/presentationml/2006/main">
+  <p:cSld>
+    <p:spTree>
+      <p:nvGrpSpPr>
+        <p:cNvPr id="1" name=""/>
+        <p:cNvGrpSpPr/>
+        <p:nvPr/>
+      </p:nvGrpSpPr>
+      <p:grpSpPr>
+        <a:xfrm>
+          <a:off x="0" y="0"/>
+          <a:ext cx="0" cy="0"/>
+          <a:chOff x="0" y="0"/>
+          <a:chExt cx="0" cy="0"/>
+        </a:xfrm>
+      </p:grpSpPr>
+      <p:sp>
+        <p:nvSpPr>
+          <p:cNvPr id="4" name="標題 3"/>
+          <p:cNvSpPr>
+            <a:spLocks noGrp="1"/>
+          </p:cNvSpPr>
+          <p:nvPr>
+            <p:ph type="title"/>
+          </p:nvPr>
+        </p:nvSpPr>
+        <p:spPr>
+          <a:xfrm rot="995224">
+            <a:off x="-2023745" y="1783332"/>
+            <a:ext cx="5064953" cy="868785"/>
+          </a:xfrm>
+        </p:spPr>
+        <p:txBody>
+          <a:bodyPr>
+            <a:normAutofit fontScale="90000"/>
+          </a:bodyPr>
+          <a:lstStyle/>
+          <a:p>
+            <a:r>
+              <a:rPr lang="en-US" altLang="zh-TW" dirty="0" smtClean="0"/>
+              <a:t>           Technique</a:t>
+            </a:r>
+            <a:br>
+              <a:rPr lang="en-US" altLang="zh-TW" dirty="0" smtClean="0"/>
+            </a:br>
+            <a:r>
+              <a:rPr lang="en-US" altLang="zh-TW" sz="2400" dirty="0"/>
+              <a:t>Audio </a:t>
+            </a:r>
+            <a:r>
+              <a:rPr lang="en-US" altLang="zh-TW" sz="2400" dirty="0" smtClean="0"/>
+              <a:t>Matching</a:t>
+            </a:r>
+            <a:r>
+              <a:rPr lang="en-US" altLang="zh-TW" dirty="0" smtClean="0"/>
+              <a:t/>
+            </a:r>
+            <a:br>
+              <a:rPr lang="en-US" altLang="zh-TW" dirty="0" smtClean="0"/>
+            </a:br>
+            <a:r>
+              <a:rPr lang="en-US" altLang="zh-TW" dirty="0" smtClean="0"/>
+              <a:t> </a:t>
+            </a:r>
+            <a:endParaRPr lang="en-US" altLang="zh-TW" dirty="0"/>
+          </a:p>
+        </p:txBody>
+      </p:sp>
+      <p:sp>
+        <p:nvSpPr>
+          <p:cNvPr id="5" name="內容版面配置區 4"/>
+          <p:cNvSpPr>
+            <a:spLocks noGrp="1"/>
+          </p:cNvSpPr>
+          <p:nvPr>
+            <p:ph idx="1"/>
+          </p:nvPr>
+        </p:nvSpPr>
+        <p:spPr>
+          <a:xfrm>
+            <a:off x="3995936" y="620688"/>
+            <a:ext cx="4658735" cy="5077623"/>
+          </a:xfrm>
+        </p:spPr>
+        <p:txBody>
+          <a:bodyPr/>
+          <a:lstStyle/>
+          <a:p>
+            <a:r>
+              <a:rPr lang="en-US" altLang="zh-TW" dirty="0" smtClean="0"/>
+              <a:t>For preparing database</a:t>
+            </a:r>
+          </a:p>
+          <a:p>
+            <a:r>
+              <a:rPr lang="en-US" altLang="zh-TW" dirty="0" smtClean="0"/>
+              <a:t>MFCC Feature Distance</a:t>
+            </a:r>
+          </a:p>
+        </p:txBody>
+      </p:sp>
+    </p:spTree>
+    <p:extLst>
+      <p:ext uri="{BB962C8B-B14F-4D97-AF65-F5344CB8AC3E}">
+        <p14:creationId xmlns:p14="http://schemas.microsoft.com/office/powerpoint/2010/main" val="3991064672"/>
+      </p:ext>
+    </p:extLst>
+  </p:cSld>
+  <p:clrMapOvr>
+    <a:masterClrMapping/>
+  </p:clrMapOvr>
+  <p:transition/>
+  <p:timing>
+    <p:tnLst>
+      <p:par>
+        <p:cTn id="1" dur="indefinite" restart="never" nodeType="tmRoot"/>
+      </p:par>
+    </p:tnLst>
+  </p:timing>
+</p:sld>
+</file>
+
+<file path=ppt/slides/slide9.xml><?xml version="1.0" encoding="utf-8"?>
+<p:sld xmlns:a="http://schemas.openxmlformats.org/drawingml/2006/main" xmlns:r="http://schemas.openxmlformats.org/officeDocument/2006/relationships" xmlns:p="http://schemas.openxmlformats.org/presentationml/2006/main">
+  <p:cSld>
+    <p:spTree>
+      <p:nvGrpSpPr>
+        <p:cNvPr id="1" name=""/>
+        <p:cNvGrpSpPr/>
+        <p:nvPr/>
+      </p:nvGrpSpPr>
+      <p:grpSpPr>
+        <a:xfrm>
+          <a:off x="0" y="0"/>
+          <a:ext cx="0" cy="0"/>
+          <a:chOff x="0" y="0"/>
+          <a:chExt cx="0" cy="0"/>
+        </a:xfrm>
+      </p:grpSpPr>
+      <p:sp>
+        <p:nvSpPr>
+          <p:cNvPr id="4" name="標題 3"/>
+          <p:cNvSpPr>
+            <a:spLocks noGrp="1"/>
+          </p:cNvSpPr>
+          <p:nvPr>
+            <p:ph type="title"/>
+          </p:nvPr>
+        </p:nvSpPr>
+        <p:spPr>
+          <a:xfrm rot="995224">
+            <a:off x="-2023745" y="1783332"/>
+            <a:ext cx="5064953" cy="868785"/>
+          </a:xfrm>
+        </p:spPr>
+        <p:txBody>
+          <a:bodyPr>
+            <a:normAutofit fontScale="90000"/>
+          </a:bodyPr>
+          <a:lstStyle/>
+          <a:p>
+            <a:r>
+              <a:rPr lang="en-US" altLang="zh-TW" dirty="0" smtClean="0"/>
+              <a:t>           Technique</a:t>
+            </a:r>
+            <a:r>
+              <a:rPr lang="en-US" altLang="zh-TW" dirty="0"/>
+              <a:t/>
+            </a:r>
+            <a:br>
+              <a:rPr lang="en-US" altLang="zh-TW" dirty="0"/>
+            </a:br>
+            <a:r>
+              <a:rPr lang="en-US" altLang="zh-TW" sz="2400" dirty="0"/>
+              <a:t>Handle Input </a:t>
+            </a:r>
+            <a:r>
+              <a:rPr lang="en-US" altLang="zh-TW" sz="2400" dirty="0" smtClean="0"/>
+              <a:t>Stream</a:t>
+            </a:r>
+            <a:r>
+              <a:rPr lang="en-US" altLang="zh-TW" dirty="0" smtClean="0"/>
+              <a:t/>
+            </a:r>
+            <a:br>
+              <a:rPr lang="en-US" altLang="zh-TW" dirty="0" smtClean="0"/>
+            </a:br>
+            <a:r>
+              <a:rPr lang="en-US" altLang="zh-TW" dirty="0" smtClean="0"/>
+              <a:t> </a:t>
+            </a:r>
+            <a:endParaRPr lang="en-US" altLang="zh-TW" dirty="0"/>
+          </a:p>
+        </p:txBody>
+      </p:sp>
+      <p:sp>
+        <p:nvSpPr>
+          <p:cNvPr id="5" name="內容版面配置區 4"/>
+          <p:cNvSpPr>
+            <a:spLocks noGrp="1"/>
+          </p:cNvSpPr>
+          <p:nvPr>
+            <p:ph idx="1"/>
+          </p:nvPr>
+        </p:nvSpPr>
+        <p:spPr>
+          <a:xfrm>
+            <a:off x="3995936" y="620688"/>
+            <a:ext cx="4658735" cy="5077623"/>
+          </a:xfrm>
+        </p:spPr>
+        <p:txBody>
+          <a:bodyPr/>
+          <a:lstStyle/>
+          <a:p>
+            <a:endParaRPr lang="en-US" altLang="zh-TW" dirty="0" smtClean="0"/>
+          </a:p>
+          <a:p>
+            <a:r>
+              <a:rPr lang="en-US" altLang="zh-TW" dirty="0" smtClean="0"/>
+              <a:t>Get input stream </a:t>
+            </a:r>
+            <a:r>
+              <a:rPr lang="en-US" altLang="zh-TW" smtClean="0"/>
+              <a:t>around beat</a:t>
+            </a:r>
+            <a:endParaRPr lang="en-US" altLang="zh-TW" dirty="0" smtClean="0"/>
+          </a:p>
+        </p:txBody>
+      </p:sp>
+    </p:spTree>
+    <p:extLst>
+      <p:ext uri="{BB962C8B-B14F-4D97-AF65-F5344CB8AC3E}">
+        <p14:creationId xmlns:p14="http://schemas.microsoft.com/office/powerpoint/2010/main" val="2251102737"/>
+      </p:ext>
+    </p:extLst>
+  </p:cSld>
+  <p:clrMapOvr>
+    <a:masterClrMapping/>
+  </p:clrMapOvr>
+  <p:transition/>
+  <p:timing>
+    <p:tnLst>
+      <p:par>
+        <p:cTn id="1" dur="indefinite" restart="never" nodeType="tmRoot"/>
+      </p:par>
+    </p:tnLst>
+  </p:timing>
 </p:sld>
 </file>
 
